--- a/deep_rl_video_game.pptx
+++ b/deep_rl_video_game.pptx
@@ -104,6 +104,11 @@
       </a:defRPr>
     </a:lvl9pPr>
   </p:defaultTextStyle>
+  <p:extLst>
+    <p:ext uri="{EFAFB233-063F-42B5-8137-9DF3F51BA10A}">
+      <p15:sldGuideLst xmlns:p15="http://schemas.microsoft.com/office/powerpoint/2012/main"/>
+    </p:ext>
+  </p:extLst>
 </p:presentation>
 </file>
 
@@ -256,7 +261,7 @@
           <a:p>
             <a:fld id="{B782209F-0EF5-462A-B931-193281F7D5FE}" type="datetimeFigureOut">
               <a:rPr lang="en-GB" smtClean="0"/>
-              <a:t>11/04/2020</a:t>
+              <a:t>07/05/2020</a:t>
             </a:fld>
             <a:endParaRPr lang="en-GB"/>
           </a:p>
@@ -456,7 +461,7 @@
           <a:p>
             <a:fld id="{B782209F-0EF5-462A-B931-193281F7D5FE}" type="datetimeFigureOut">
               <a:rPr lang="en-GB" smtClean="0"/>
-              <a:t>11/04/2020</a:t>
+              <a:t>07/05/2020</a:t>
             </a:fld>
             <a:endParaRPr lang="en-GB"/>
           </a:p>
@@ -666,7 +671,7 @@
           <a:p>
             <a:fld id="{B782209F-0EF5-462A-B931-193281F7D5FE}" type="datetimeFigureOut">
               <a:rPr lang="en-GB" smtClean="0"/>
-              <a:t>11/04/2020</a:t>
+              <a:t>07/05/2020</a:t>
             </a:fld>
             <a:endParaRPr lang="en-GB"/>
           </a:p>
@@ -866,7 +871,7 @@
           <a:p>
             <a:fld id="{B782209F-0EF5-462A-B931-193281F7D5FE}" type="datetimeFigureOut">
               <a:rPr lang="en-GB" smtClean="0"/>
-              <a:t>11/04/2020</a:t>
+              <a:t>07/05/2020</a:t>
             </a:fld>
             <a:endParaRPr lang="en-GB"/>
           </a:p>
@@ -1142,7 +1147,7 @@
           <a:p>
             <a:fld id="{B782209F-0EF5-462A-B931-193281F7D5FE}" type="datetimeFigureOut">
               <a:rPr lang="en-GB" smtClean="0"/>
-              <a:t>11/04/2020</a:t>
+              <a:t>07/05/2020</a:t>
             </a:fld>
             <a:endParaRPr lang="en-GB"/>
           </a:p>
@@ -1410,7 +1415,7 @@
           <a:p>
             <a:fld id="{B782209F-0EF5-462A-B931-193281F7D5FE}" type="datetimeFigureOut">
               <a:rPr lang="en-GB" smtClean="0"/>
-              <a:t>11/04/2020</a:t>
+              <a:t>07/05/2020</a:t>
             </a:fld>
             <a:endParaRPr lang="en-GB"/>
           </a:p>
@@ -1825,7 +1830,7 @@
           <a:p>
             <a:fld id="{B782209F-0EF5-462A-B931-193281F7D5FE}" type="datetimeFigureOut">
               <a:rPr lang="en-GB" smtClean="0"/>
-              <a:t>11/04/2020</a:t>
+              <a:t>07/05/2020</a:t>
             </a:fld>
             <a:endParaRPr lang="en-GB"/>
           </a:p>
@@ -1967,7 +1972,7 @@
           <a:p>
             <a:fld id="{B782209F-0EF5-462A-B931-193281F7D5FE}" type="datetimeFigureOut">
               <a:rPr lang="en-GB" smtClean="0"/>
-              <a:t>11/04/2020</a:t>
+              <a:t>07/05/2020</a:t>
             </a:fld>
             <a:endParaRPr lang="en-GB"/>
           </a:p>
@@ -2080,7 +2085,7 @@
           <a:p>
             <a:fld id="{B782209F-0EF5-462A-B931-193281F7D5FE}" type="datetimeFigureOut">
               <a:rPr lang="en-GB" smtClean="0"/>
-              <a:t>11/04/2020</a:t>
+              <a:t>07/05/2020</a:t>
             </a:fld>
             <a:endParaRPr lang="en-GB"/>
           </a:p>
@@ -2393,7 +2398,7 @@
           <a:p>
             <a:fld id="{B782209F-0EF5-462A-B931-193281F7D5FE}" type="datetimeFigureOut">
               <a:rPr lang="en-GB" smtClean="0"/>
-              <a:t>11/04/2020</a:t>
+              <a:t>07/05/2020</a:t>
             </a:fld>
             <a:endParaRPr lang="en-GB"/>
           </a:p>
@@ -2682,7 +2687,7 @@
           <a:p>
             <a:fld id="{B782209F-0EF5-462A-B931-193281F7D5FE}" type="datetimeFigureOut">
               <a:rPr lang="en-GB" smtClean="0"/>
-              <a:t>11/04/2020</a:t>
+              <a:t>07/05/2020</a:t>
             </a:fld>
             <a:endParaRPr lang="en-GB"/>
           </a:p>
@@ -2925,7 +2930,7 @@
           <a:p>
             <a:fld id="{B782209F-0EF5-462A-B931-193281F7D5FE}" type="datetimeFigureOut">
               <a:rPr lang="en-GB" smtClean="0"/>
-              <a:t>11/04/2020</a:t>
+              <a:t>07/05/2020</a:t>
             </a:fld>
             <a:endParaRPr lang="en-GB"/>
           </a:p>
@@ -3602,6 +3607,256 @@
           </a:fontRef>
         </p:style>
       </p:cxnSp>
+      <p:sp>
+        <p:nvSpPr>
+          <p:cNvPr id="2" name="Rectangle 1">
+            <a:extLst>
+              <a:ext uri="{FF2B5EF4-FFF2-40B4-BE49-F238E27FC236}">
+                <a16:creationId xmlns:a16="http://schemas.microsoft.com/office/drawing/2014/main" id="{ACB6827D-4DC9-4147-93A8-3654FA4BB8A6}"/>
+              </a:ext>
+            </a:extLst>
+          </p:cNvPr>
+          <p:cNvSpPr/>
+          <p:nvPr/>
+        </p:nvSpPr>
+        <p:spPr>
+          <a:xfrm>
+            <a:off x="3568823" y="2050742"/>
+            <a:ext cx="479394" cy="301841"/>
+          </a:xfrm>
+          <a:prstGeom prst="rect">
+            <a:avLst/>
+          </a:prstGeom>
+          <a:solidFill>
+            <a:schemeClr val="bg1"/>
+          </a:solidFill>
+          <a:ln>
+            <a:noFill/>
+          </a:ln>
+        </p:spPr>
+        <p:style>
+          <a:lnRef idx="0">
+            <a:scrgbClr r="0" g="0" b="0"/>
+          </a:lnRef>
+          <a:fillRef idx="0">
+            <a:scrgbClr r="0" g="0" b="0"/>
+          </a:fillRef>
+          <a:effectRef idx="0">
+            <a:scrgbClr r="0" g="0" b="0"/>
+          </a:effectRef>
+          <a:fontRef idx="minor">
+            <a:schemeClr val="dk1"/>
+          </a:fontRef>
+        </p:style>
+        <p:txBody>
+          <a:bodyPr rtlCol="0" anchor="ctr"/>
+          <a:lstStyle/>
+          <a:p>
+            <a:pPr algn="ctr"/>
+            <a:endParaRPr lang="en-GB"/>
+          </a:p>
+        </p:txBody>
+      </p:sp>
+      <p:sp>
+        <p:nvSpPr>
+          <p:cNvPr id="13" name="Rectangle 12">
+            <a:extLst>
+              <a:ext uri="{FF2B5EF4-FFF2-40B4-BE49-F238E27FC236}">
+                <a16:creationId xmlns:a16="http://schemas.microsoft.com/office/drawing/2014/main" id="{4B638341-74CB-4F6B-AF5E-DE65973C6174}"/>
+              </a:ext>
+            </a:extLst>
+          </p:cNvPr>
+          <p:cNvSpPr/>
+          <p:nvPr/>
+        </p:nvSpPr>
+        <p:spPr>
+          <a:xfrm>
+            <a:off x="5248182" y="1448540"/>
+            <a:ext cx="1161496" cy="301841"/>
+          </a:xfrm>
+          <a:prstGeom prst="rect">
+            <a:avLst/>
+          </a:prstGeom>
+          <a:solidFill>
+            <a:schemeClr val="bg1"/>
+          </a:solidFill>
+          <a:ln>
+            <a:noFill/>
+          </a:ln>
+        </p:spPr>
+        <p:style>
+          <a:lnRef idx="0">
+            <a:scrgbClr r="0" g="0" b="0"/>
+          </a:lnRef>
+          <a:fillRef idx="0">
+            <a:scrgbClr r="0" g="0" b="0"/>
+          </a:fillRef>
+          <a:effectRef idx="0">
+            <a:scrgbClr r="0" g="0" b="0"/>
+          </a:effectRef>
+          <a:fontRef idx="minor">
+            <a:schemeClr val="dk1"/>
+          </a:fontRef>
+        </p:style>
+        <p:txBody>
+          <a:bodyPr rtlCol="0" anchor="ctr"/>
+          <a:lstStyle/>
+          <a:p>
+            <a:pPr algn="ctr"/>
+            <a:endParaRPr lang="en-GB"/>
+          </a:p>
+        </p:txBody>
+      </p:sp>
+      <p:sp>
+        <p:nvSpPr>
+          <p:cNvPr id="14" name="Rectangle 13">
+            <a:extLst>
+              <a:ext uri="{FF2B5EF4-FFF2-40B4-BE49-F238E27FC236}">
+                <a16:creationId xmlns:a16="http://schemas.microsoft.com/office/drawing/2014/main" id="{DCFE75EC-6DA9-4FB0-9A87-14382AE38717}"/>
+              </a:ext>
+            </a:extLst>
+          </p:cNvPr>
+          <p:cNvSpPr/>
+          <p:nvPr/>
+        </p:nvSpPr>
+        <p:spPr>
+          <a:xfrm>
+            <a:off x="6777438" y="1458898"/>
+            <a:ext cx="1161496" cy="301841"/>
+          </a:xfrm>
+          <a:prstGeom prst="rect">
+            <a:avLst/>
+          </a:prstGeom>
+          <a:solidFill>
+            <a:schemeClr val="bg1"/>
+          </a:solidFill>
+          <a:ln>
+            <a:noFill/>
+          </a:ln>
+        </p:spPr>
+        <p:style>
+          <a:lnRef idx="0">
+            <a:scrgbClr r="0" g="0" b="0"/>
+          </a:lnRef>
+          <a:fillRef idx="0">
+            <a:scrgbClr r="0" g="0" b="0"/>
+          </a:fillRef>
+          <a:effectRef idx="0">
+            <a:scrgbClr r="0" g="0" b="0"/>
+          </a:effectRef>
+          <a:fontRef idx="minor">
+            <a:schemeClr val="dk1"/>
+          </a:fontRef>
+        </p:style>
+        <p:txBody>
+          <a:bodyPr rtlCol="0" anchor="ctr"/>
+          <a:lstStyle/>
+          <a:p>
+            <a:pPr algn="ctr"/>
+            <a:endParaRPr lang="en-GB"/>
+          </a:p>
+        </p:txBody>
+      </p:sp>
+      <p:sp>
+        <p:nvSpPr>
+          <p:cNvPr id="15" name="Rectangle 14">
+            <a:extLst>
+              <a:ext uri="{FF2B5EF4-FFF2-40B4-BE49-F238E27FC236}">
+                <a16:creationId xmlns:a16="http://schemas.microsoft.com/office/drawing/2014/main" id="{04406467-05E3-4BD8-B897-989193ED664C}"/>
+              </a:ext>
+            </a:extLst>
+          </p:cNvPr>
+          <p:cNvSpPr/>
+          <p:nvPr/>
+        </p:nvSpPr>
+        <p:spPr>
+          <a:xfrm>
+            <a:off x="8225978" y="803430"/>
+            <a:ext cx="1161496" cy="301841"/>
+          </a:xfrm>
+          <a:prstGeom prst="rect">
+            <a:avLst/>
+          </a:prstGeom>
+          <a:solidFill>
+            <a:schemeClr val="bg1"/>
+          </a:solidFill>
+          <a:ln>
+            <a:noFill/>
+          </a:ln>
+        </p:spPr>
+        <p:style>
+          <a:lnRef idx="0">
+            <a:scrgbClr r="0" g="0" b="0"/>
+          </a:lnRef>
+          <a:fillRef idx="0">
+            <a:scrgbClr r="0" g="0" b="0"/>
+          </a:fillRef>
+          <a:effectRef idx="0">
+            <a:scrgbClr r="0" g="0" b="0"/>
+          </a:effectRef>
+          <a:fontRef idx="minor">
+            <a:schemeClr val="dk1"/>
+          </a:fontRef>
+        </p:style>
+        <p:txBody>
+          <a:bodyPr rtlCol="0" anchor="ctr"/>
+          <a:lstStyle/>
+          <a:p>
+            <a:pPr algn="ctr"/>
+            <a:endParaRPr lang="en-GB"/>
+          </a:p>
+        </p:txBody>
+      </p:sp>
+      <p:sp>
+        <p:nvSpPr>
+          <p:cNvPr id="16" name="Rectangle 15">
+            <a:extLst>
+              <a:ext uri="{FF2B5EF4-FFF2-40B4-BE49-F238E27FC236}">
+                <a16:creationId xmlns:a16="http://schemas.microsoft.com/office/drawing/2014/main" id="{484BF1A0-E294-46CA-9C05-EEC01995E966}"/>
+              </a:ext>
+            </a:extLst>
+          </p:cNvPr>
+          <p:cNvSpPr/>
+          <p:nvPr/>
+        </p:nvSpPr>
+        <p:spPr>
+          <a:xfrm>
+            <a:off x="10413411" y="1993038"/>
+            <a:ext cx="1161496" cy="301841"/>
+          </a:xfrm>
+          <a:prstGeom prst="rect">
+            <a:avLst/>
+          </a:prstGeom>
+          <a:solidFill>
+            <a:schemeClr val="bg1"/>
+          </a:solidFill>
+          <a:ln>
+            <a:noFill/>
+          </a:ln>
+        </p:spPr>
+        <p:style>
+          <a:lnRef idx="0">
+            <a:scrgbClr r="0" g="0" b="0"/>
+          </a:lnRef>
+          <a:fillRef idx="0">
+            <a:scrgbClr r="0" g="0" b="0"/>
+          </a:fillRef>
+          <a:effectRef idx="0">
+            <a:scrgbClr r="0" g="0" b="0"/>
+          </a:effectRef>
+          <a:fontRef idx="minor">
+            <a:schemeClr val="dk1"/>
+          </a:fontRef>
+        </p:style>
+        <p:txBody>
+          <a:bodyPr rtlCol="0" anchor="ctr"/>
+          <a:lstStyle/>
+          <a:p>
+            <a:pPr algn="ctr"/>
+            <a:endParaRPr lang="en-GB"/>
+          </a:p>
+        </p:txBody>
+      </p:sp>
     </p:spTree>
     <p:extLst>
       <p:ext uri="{BB962C8B-B14F-4D97-AF65-F5344CB8AC3E}">

--- a/deep_rl_video_game.pptx
+++ b/deep_rl_video_game.pptx
@@ -261,7 +261,7 @@
           <a:p>
             <a:fld id="{B782209F-0EF5-462A-B931-193281F7D5FE}" type="datetimeFigureOut">
               <a:rPr lang="en-GB" smtClean="0"/>
-              <a:t>07/05/2020</a:t>
+              <a:t>09/05/2020</a:t>
             </a:fld>
             <a:endParaRPr lang="en-GB"/>
           </a:p>
@@ -461,7 +461,7 @@
           <a:p>
             <a:fld id="{B782209F-0EF5-462A-B931-193281F7D5FE}" type="datetimeFigureOut">
               <a:rPr lang="en-GB" smtClean="0"/>
-              <a:t>07/05/2020</a:t>
+              <a:t>09/05/2020</a:t>
             </a:fld>
             <a:endParaRPr lang="en-GB"/>
           </a:p>
@@ -671,7 +671,7 @@
           <a:p>
             <a:fld id="{B782209F-0EF5-462A-B931-193281F7D5FE}" type="datetimeFigureOut">
               <a:rPr lang="en-GB" smtClean="0"/>
-              <a:t>07/05/2020</a:t>
+              <a:t>09/05/2020</a:t>
             </a:fld>
             <a:endParaRPr lang="en-GB"/>
           </a:p>
@@ -871,7 +871,7 @@
           <a:p>
             <a:fld id="{B782209F-0EF5-462A-B931-193281F7D5FE}" type="datetimeFigureOut">
               <a:rPr lang="en-GB" smtClean="0"/>
-              <a:t>07/05/2020</a:t>
+              <a:t>09/05/2020</a:t>
             </a:fld>
             <a:endParaRPr lang="en-GB"/>
           </a:p>
@@ -1147,7 +1147,7 @@
           <a:p>
             <a:fld id="{B782209F-0EF5-462A-B931-193281F7D5FE}" type="datetimeFigureOut">
               <a:rPr lang="en-GB" smtClean="0"/>
-              <a:t>07/05/2020</a:t>
+              <a:t>09/05/2020</a:t>
             </a:fld>
             <a:endParaRPr lang="en-GB"/>
           </a:p>
@@ -1415,7 +1415,7 @@
           <a:p>
             <a:fld id="{B782209F-0EF5-462A-B931-193281F7D5FE}" type="datetimeFigureOut">
               <a:rPr lang="en-GB" smtClean="0"/>
-              <a:t>07/05/2020</a:t>
+              <a:t>09/05/2020</a:t>
             </a:fld>
             <a:endParaRPr lang="en-GB"/>
           </a:p>
@@ -1830,7 +1830,7 @@
           <a:p>
             <a:fld id="{B782209F-0EF5-462A-B931-193281F7D5FE}" type="datetimeFigureOut">
               <a:rPr lang="en-GB" smtClean="0"/>
-              <a:t>07/05/2020</a:t>
+              <a:t>09/05/2020</a:t>
             </a:fld>
             <a:endParaRPr lang="en-GB"/>
           </a:p>
@@ -1972,7 +1972,7 @@
           <a:p>
             <a:fld id="{B782209F-0EF5-462A-B931-193281F7D5FE}" type="datetimeFigureOut">
               <a:rPr lang="en-GB" smtClean="0"/>
-              <a:t>07/05/2020</a:t>
+              <a:t>09/05/2020</a:t>
             </a:fld>
             <a:endParaRPr lang="en-GB"/>
           </a:p>
@@ -2085,7 +2085,7 @@
           <a:p>
             <a:fld id="{B782209F-0EF5-462A-B931-193281F7D5FE}" type="datetimeFigureOut">
               <a:rPr lang="en-GB" smtClean="0"/>
-              <a:t>07/05/2020</a:t>
+              <a:t>09/05/2020</a:t>
             </a:fld>
             <a:endParaRPr lang="en-GB"/>
           </a:p>
@@ -2398,7 +2398,7 @@
           <a:p>
             <a:fld id="{B782209F-0EF5-462A-B931-193281F7D5FE}" type="datetimeFigureOut">
               <a:rPr lang="en-GB" smtClean="0"/>
-              <a:t>07/05/2020</a:t>
+              <a:t>09/05/2020</a:t>
             </a:fld>
             <a:endParaRPr lang="en-GB"/>
           </a:p>
@@ -2687,7 +2687,7 @@
           <a:p>
             <a:fld id="{B782209F-0EF5-462A-B931-193281F7D5FE}" type="datetimeFigureOut">
               <a:rPr lang="en-GB" smtClean="0"/>
-              <a:t>07/05/2020</a:t>
+              <a:t>09/05/2020</a:t>
             </a:fld>
             <a:endParaRPr lang="en-GB"/>
           </a:p>
@@ -2930,7 +2930,7 @@
           <a:p>
             <a:fld id="{B782209F-0EF5-462A-B931-193281F7D5FE}" type="datetimeFigureOut">
               <a:rPr lang="en-GB" smtClean="0"/>
-              <a:t>07/05/2020</a:t>
+              <a:t>09/05/2020</a:t>
             </a:fld>
             <a:endParaRPr lang="en-GB"/>
           </a:p>
@@ -3349,10 +3349,10 @@
       </p:grpSpPr>
       <p:pic>
         <p:nvPicPr>
-          <p:cNvPr id="4" name="Picture 3" descr="A picture containing game&#10;&#10;Description automatically generated">
-            <a:extLst>
-              <a:ext uri="{FF2B5EF4-FFF2-40B4-BE49-F238E27FC236}">
-                <a16:creationId xmlns:a16="http://schemas.microsoft.com/office/drawing/2014/main" id="{C0006AC6-1C86-46DA-8CE1-0A66AB933507}"/>
+          <p:cNvPr id="5" name="Graphic 4">
+            <a:extLst>
+              <a:ext uri="{FF2B5EF4-FFF2-40B4-BE49-F238E27FC236}">
+                <a16:creationId xmlns:a16="http://schemas.microsoft.com/office/drawing/2014/main" id="{ABF38B0C-B8D0-4CC4-826B-0307881DC991}"/>
               </a:ext>
             </a:extLst>
           </p:cNvPr>
@@ -3361,21 +3361,25 @@
           </p:cNvPicPr>
           <p:nvPr/>
         </p:nvPicPr>
-        <p:blipFill rotWithShape="1">
+        <p:blipFill>
           <a:blip r:embed="rId2">
             <a:extLst>
               <a:ext uri="{28A0092B-C50C-407E-A947-70E740481C1C}">
                 <a14:useLocalDpi xmlns:a14="http://schemas.microsoft.com/office/drawing/2010/main" val="0"/>
               </a:ext>
+              <a:ext uri="{96DAC541-7B7A-43D3-8B79-37D633B846F1}">
+                <asvg:svgBlip xmlns:asvg="http://schemas.microsoft.com/office/drawing/2016/SVG/main" r:embed="rId3"/>
+              </a:ext>
             </a:extLst>
           </a:blip>
-          <a:srcRect l="17734"/>
-          <a:stretch/>
+          <a:stretch>
+            <a:fillRect/>
+          </a:stretch>
         </p:blipFill>
         <p:spPr>
           <a:xfrm>
-            <a:off x="3407312" y="200025"/>
-            <a:ext cx="10029825" cy="6858000"/>
+            <a:off x="2741242" y="1083079"/>
+            <a:ext cx="9122286" cy="5131286"/>
           </a:xfrm>
           <a:prstGeom prst="rect">
             <a:avLst/>
@@ -3397,7 +3401,7 @@
           <p:nvPr/>
         </p:nvPicPr>
         <p:blipFill>
-          <a:blip r:embed="rId3">
+          <a:blip r:embed="rId4">
             <a:extLst>
               <a:ext uri="{28A0092B-C50C-407E-A947-70E740481C1C}">
                 <a14:useLocalDpi xmlns:a14="http://schemas.microsoft.com/office/drawing/2010/main" val="0"/>
